--- a/tortuga bay 2.pptx
+++ b/tortuga bay 2.pptx
@@ -5,10 +5,10 @@
     <p:sldMasterId id="2147483648" r:id="rId1"/>
   </p:sldMasterIdLst>
   <p:notesMasterIdLst>
-    <p:notesMasterId r:id="rId42"/>
+    <p:notesMasterId r:id="rId43"/>
   </p:notesMasterIdLst>
   <p:handoutMasterIdLst>
-    <p:handoutMasterId r:id="rId43"/>
+    <p:handoutMasterId r:id="rId44"/>
   </p:handoutMasterIdLst>
   <p:sldIdLst>
     <p:sldId id="256" r:id="rId2"/>
@@ -22,8 +22,8 @@
     <p:sldId id="271" r:id="rId10"/>
     <p:sldId id="275" r:id="rId11"/>
     <p:sldId id="272" r:id="rId12"/>
-    <p:sldId id="288" r:id="rId13"/>
-    <p:sldId id="289" r:id="rId14"/>
+    <p:sldId id="313" r:id="rId13"/>
+    <p:sldId id="288" r:id="rId14"/>
     <p:sldId id="311" r:id="rId15"/>
     <p:sldId id="286" r:id="rId16"/>
     <p:sldId id="273" r:id="rId17"/>
@@ -51,6 +51,7 @@
     <p:sldId id="308" r:id="rId39"/>
     <p:sldId id="309" r:id="rId40"/>
     <p:sldId id="310" r:id="rId41"/>
+    <p:sldId id="314" r:id="rId42"/>
   </p:sldIdLst>
   <p:sldSz cx="9144000" cy="6858000" type="screen4x3"/>
   <p:notesSz cx="6797675" cy="9874250"/>
@@ -311,7 +312,7 @@
     </p:spTree>
     <p:extLst>
       <p:ext uri="{BB962C8B-B14F-4D97-AF65-F5344CB8AC3E}">
-        <p14:creationId xmlns:p14="http://schemas.microsoft.com/office/powerpoint/2010/main" xmlns="" val="2213009851"/>
+        <p14:creationId xmlns="" xmlns:p14="http://schemas.microsoft.com/office/powerpoint/2010/main" val="2213009851"/>
       </p:ext>
     </p:extLst>
   </p:cSld>
@@ -572,7 +573,7 @@
     </p:spTree>
     <p:extLst>
       <p:ext uri="{BB962C8B-B14F-4D97-AF65-F5344CB8AC3E}">
-        <p14:creationId xmlns:p14="http://schemas.microsoft.com/office/powerpoint/2010/main" xmlns="" val="2501243732"/>
+        <p14:creationId xmlns="" xmlns:p14="http://schemas.microsoft.com/office/powerpoint/2010/main" val="2501243732"/>
       </p:ext>
     </p:extLst>
   </p:cSld>
@@ -955,7 +956,7 @@
     </p:spTree>
     <p:extLst>
       <p:ext uri="{BB962C8B-B14F-4D97-AF65-F5344CB8AC3E}">
-        <p14:creationId xmlns:p14="http://schemas.microsoft.com/office/powerpoint/2010/main" xmlns="" val="2070404567"/>
+        <p14:creationId xmlns="" xmlns:p14="http://schemas.microsoft.com/office/powerpoint/2010/main" val="2070404567"/>
       </p:ext>
     </p:extLst>
   </p:cSld>
@@ -1137,7 +1138,7 @@
     </p:spTree>
     <p:extLst>
       <p:ext uri="{BB962C8B-B14F-4D97-AF65-F5344CB8AC3E}">
-        <p14:creationId xmlns:p14="http://schemas.microsoft.com/office/powerpoint/2010/main" xmlns="" val="2365711366"/>
+        <p14:creationId xmlns="" xmlns:p14="http://schemas.microsoft.com/office/powerpoint/2010/main" val="2365711366"/>
       </p:ext>
     </p:extLst>
   </p:cSld>
@@ -1322,7 +1323,7 @@
     </p:spTree>
     <p:extLst>
       <p:ext uri="{BB962C8B-B14F-4D97-AF65-F5344CB8AC3E}">
-        <p14:creationId xmlns:p14="http://schemas.microsoft.com/office/powerpoint/2010/main" xmlns="" val="707905946"/>
+        <p14:creationId xmlns="" xmlns:p14="http://schemas.microsoft.com/office/powerpoint/2010/main" val="707905946"/>
       </p:ext>
     </p:extLst>
   </p:cSld>
@@ -1497,7 +1498,7 @@
     </p:spTree>
     <p:extLst>
       <p:ext uri="{BB962C8B-B14F-4D97-AF65-F5344CB8AC3E}">
-        <p14:creationId xmlns:p14="http://schemas.microsoft.com/office/powerpoint/2010/main" xmlns="" val="1869324206"/>
+        <p14:creationId xmlns="" xmlns:p14="http://schemas.microsoft.com/office/powerpoint/2010/main" val="1869324206"/>
       </p:ext>
     </p:extLst>
   </p:cSld>
@@ -1748,7 +1749,7 @@
     </p:spTree>
     <p:extLst>
       <p:ext uri="{BB962C8B-B14F-4D97-AF65-F5344CB8AC3E}">
-        <p14:creationId xmlns:p14="http://schemas.microsoft.com/office/powerpoint/2010/main" xmlns="" val="4219159056"/>
+        <p14:creationId xmlns="" xmlns:p14="http://schemas.microsoft.com/office/powerpoint/2010/main" val="4219159056"/>
       </p:ext>
     </p:extLst>
   </p:cSld>
@@ -2041,7 +2042,7 @@
     </p:spTree>
     <p:extLst>
       <p:ext uri="{BB962C8B-B14F-4D97-AF65-F5344CB8AC3E}">
-        <p14:creationId xmlns:p14="http://schemas.microsoft.com/office/powerpoint/2010/main" xmlns="" val="1106473477"/>
+        <p14:creationId xmlns="" xmlns:p14="http://schemas.microsoft.com/office/powerpoint/2010/main" val="1106473477"/>
       </p:ext>
     </p:extLst>
   </p:cSld>
@@ -2468,7 +2469,7 @@
     </p:spTree>
     <p:extLst>
       <p:ext uri="{BB962C8B-B14F-4D97-AF65-F5344CB8AC3E}">
-        <p14:creationId xmlns:p14="http://schemas.microsoft.com/office/powerpoint/2010/main" xmlns="" val="2304094589"/>
+        <p14:creationId xmlns="" xmlns:p14="http://schemas.microsoft.com/office/powerpoint/2010/main" val="2304094589"/>
       </p:ext>
     </p:extLst>
   </p:cSld>
@@ -2591,7 +2592,7 @@
     </p:spTree>
     <p:extLst>
       <p:ext uri="{BB962C8B-B14F-4D97-AF65-F5344CB8AC3E}">
-        <p14:creationId xmlns:p14="http://schemas.microsoft.com/office/powerpoint/2010/main" xmlns="" val="1861322463"/>
+        <p14:creationId xmlns="" xmlns:p14="http://schemas.microsoft.com/office/powerpoint/2010/main" val="1861322463"/>
       </p:ext>
     </p:extLst>
   </p:cSld>
@@ -2691,7 +2692,7 @@
     </p:spTree>
     <p:extLst>
       <p:ext uri="{BB962C8B-B14F-4D97-AF65-F5344CB8AC3E}">
-        <p14:creationId xmlns:p14="http://schemas.microsoft.com/office/powerpoint/2010/main" xmlns="" val="1290982777"/>
+        <p14:creationId xmlns="" xmlns:p14="http://schemas.microsoft.com/office/powerpoint/2010/main" val="1290982777"/>
       </p:ext>
     </p:extLst>
   </p:cSld>
@@ -2973,7 +2974,7 @@
     </p:spTree>
     <p:extLst>
       <p:ext uri="{BB962C8B-B14F-4D97-AF65-F5344CB8AC3E}">
-        <p14:creationId xmlns:p14="http://schemas.microsoft.com/office/powerpoint/2010/main" xmlns="" val="1936420163"/>
+        <p14:creationId xmlns="" xmlns:p14="http://schemas.microsoft.com/office/powerpoint/2010/main" val="1936420163"/>
       </p:ext>
     </p:extLst>
   </p:cSld>
@@ -3231,7 +3232,7 @@
     </p:spTree>
     <p:extLst>
       <p:ext uri="{BB962C8B-B14F-4D97-AF65-F5344CB8AC3E}">
-        <p14:creationId xmlns:p14="http://schemas.microsoft.com/office/powerpoint/2010/main" xmlns="" val="3541544067"/>
+        <p14:creationId xmlns="" xmlns:p14="http://schemas.microsoft.com/office/powerpoint/2010/main" val="3541544067"/>
       </p:ext>
     </p:extLst>
   </p:cSld>
@@ -3515,7 +3516,7 @@
               </a:duotone>
               <a:extLst>
                 <a:ext uri="{BEBA8EAE-BF5A-486C-A8C5-ECC9F3942E4B}">
-                  <a14:imgProps xmlns:a14="http://schemas.microsoft.com/office/drawing/2010/main" xmlns="">
+                  <a14:imgProps xmlns="" xmlns:a14="http://schemas.microsoft.com/office/drawing/2010/main">
                     <a14:imgLayer r:embed="rId14">
                       <a14:imgEffect>
                         <a14:saturation sat="0"/>
@@ -3524,7 +3525,7 @@
                   </a14:imgProps>
                 </a:ext>
                 <a:ext uri="{28A0092B-C50C-407E-A947-70E740481C1C}">
-                  <a14:useLocalDpi xmlns:a14="http://schemas.microsoft.com/office/drawing/2010/main" xmlns="" val="0"/>
+                  <a14:useLocalDpi xmlns="" xmlns:a14="http://schemas.microsoft.com/office/drawing/2010/main" val="0"/>
                 </a:ext>
               </a:extLst>
             </a:blip>
@@ -3554,7 +3555,7 @@
             <a:blip r:embed="rId15" cstate="print">
               <a:extLst>
                 <a:ext uri="{28A0092B-C50C-407E-A947-70E740481C1C}">
-                  <a14:useLocalDpi xmlns:a14="http://schemas.microsoft.com/office/drawing/2010/main" xmlns="" val="0"/>
+                  <a14:useLocalDpi xmlns="" xmlns:a14="http://schemas.microsoft.com/office/drawing/2010/main" val="0"/>
                 </a:ext>
               </a:extLst>
             </a:blip>
@@ -3576,7 +3577,7 @@
     </p:spTree>
     <p:extLst>
       <p:ext uri="{BB962C8B-B14F-4D97-AF65-F5344CB8AC3E}">
-        <p14:creationId xmlns:p14="http://schemas.microsoft.com/office/powerpoint/2010/main" xmlns="" val="3586662826"/>
+        <p14:creationId xmlns="" xmlns:p14="http://schemas.microsoft.com/office/powerpoint/2010/main" val="3586662826"/>
       </p:ext>
     </p:extLst>
   </p:cSld>
@@ -4046,7 +4047,7 @@
             <a:blip r:embed="rId2" cstate="print">
               <a:extLst>
                 <a:ext uri="{28A0092B-C50C-407E-A947-70E740481C1C}">
-                  <a14:useLocalDpi xmlns:a14="http://schemas.microsoft.com/office/drawing/2010/main" xmlns="" val="0"/>
+                  <a14:useLocalDpi xmlns="" xmlns:a14="http://schemas.microsoft.com/office/drawing/2010/main" val="0"/>
                 </a:ext>
               </a:extLst>
             </a:blip>
@@ -4326,7 +4327,7 @@
               </a:duotone>
               <a:extLst>
                 <a:ext uri="{28A0092B-C50C-407E-A947-70E740481C1C}">
-                  <a14:useLocalDpi xmlns:a14="http://schemas.microsoft.com/office/drawing/2010/main" xmlns="" val="0"/>
+                  <a14:useLocalDpi xmlns="" xmlns:a14="http://schemas.microsoft.com/office/drawing/2010/main" val="0"/>
                 </a:ext>
               </a:extLst>
             </a:blip>
@@ -4459,7 +4460,7 @@
     </p:spTree>
     <p:extLst>
       <p:ext uri="{BB962C8B-B14F-4D97-AF65-F5344CB8AC3E}">
-        <p14:creationId xmlns:p14="http://schemas.microsoft.com/office/powerpoint/2010/main" xmlns="" val="3658200479"/>
+        <p14:creationId xmlns="" xmlns:p14="http://schemas.microsoft.com/office/powerpoint/2010/main" val="3658200479"/>
       </p:ext>
     </p:extLst>
   </p:cSld>
@@ -5226,43 +5227,21 @@
           </a:p>
         </p:txBody>
       </p:sp>
-      <p:pic>
-        <p:nvPicPr>
-          <p:cNvPr id="7" name="그림 6" descr="top10.png"/>
-          <p:cNvPicPr/>
-          <p:nvPr/>
-        </p:nvPicPr>
-        <p:blipFill>
-          <a:blip r:embed="rId2" cstate="print"/>
-          <a:stretch>
-            <a:fillRect/>
-          </a:stretch>
-        </p:blipFill>
-        <p:spPr>
-          <a:xfrm>
-            <a:off x="539552" y="1412776"/>
-            <a:ext cx="7632848" cy="4464496"/>
-          </a:xfrm>
-          <a:prstGeom prst="rect">
-            <a:avLst/>
-          </a:prstGeom>
-        </p:spPr>
-      </p:pic>
       <p:sp>
         <p:nvSpPr>
-          <p:cNvPr id="8" name="사각형 설명선 7"/>
+          <p:cNvPr id="6" name="사각형 설명선 5"/>
           <p:cNvSpPr/>
           <p:nvPr/>
         </p:nvSpPr>
         <p:spPr>
           <a:xfrm>
-            <a:off x="3347864" y="836712"/>
-            <a:ext cx="3168352" cy="1395536"/>
+            <a:off x="5286380" y="1643050"/>
+            <a:ext cx="2672846" cy="1883142"/>
           </a:xfrm>
           <a:prstGeom prst="wedgeRectCallout">
             <a:avLst>
-              <a:gd name="adj1" fmla="val -21837"/>
-              <a:gd name="adj2" fmla="val 96784"/>
+              <a:gd name="adj1" fmla="val -56469"/>
+              <a:gd name="adj2" fmla="val 74149"/>
             </a:avLst>
           </a:prstGeom>
           <a:solidFill>
@@ -5296,135 +5275,107 @@
           <a:lstStyle/>
           <a:p>
             <a:pPr algn="ctr"/>
-            <a:r>
-              <a:rPr lang="ko-KR" altLang="en-US" sz="2000" dirty="0" err="1" smtClean="0">
-                <a:solidFill>
-                  <a:schemeClr val="tx1"/>
-                </a:solidFill>
-              </a:rPr>
-              <a:t>모바일</a:t>
-            </a:r>
-            <a:r>
-              <a:rPr lang="ko-KR" altLang="en-US" sz="2000" dirty="0" smtClean="0">
-                <a:solidFill>
-                  <a:schemeClr val="tx1"/>
-                </a:solidFill>
-              </a:rPr>
-              <a:t> 게임 선호 연령층은 대부분 </a:t>
-            </a:r>
-            <a:r>
-              <a:rPr lang="en-US" altLang="ko-KR" sz="2000" dirty="0" smtClean="0">
-                <a:solidFill>
-                  <a:schemeClr val="tx1"/>
-                </a:solidFill>
-              </a:rPr>
-              <a:t>20</a:t>
-            </a:r>
-            <a:r>
-              <a:rPr lang="ko-KR" altLang="en-US" sz="2000" dirty="0" smtClean="0">
-                <a:solidFill>
-                  <a:schemeClr val="tx1"/>
-                </a:solidFill>
-              </a:rPr>
-              <a:t>대 남성</a:t>
-            </a:r>
-            <a:endParaRPr lang="ko-KR" altLang="en-US" sz="2000" dirty="0">
+            <a:endParaRPr lang="en-US" altLang="ko-KR" sz="2000" dirty="0" smtClean="0">
               <a:solidFill>
                 <a:schemeClr val="tx1"/>
               </a:solidFill>
             </a:endParaRPr>
           </a:p>
+          <a:p>
+            <a:pPr algn="ctr"/>
+            <a:r>
+              <a:rPr lang="ko-KR" altLang="en-US" sz="2000" dirty="0" err="1" smtClean="0">
+                <a:solidFill>
+                  <a:schemeClr val="tx1"/>
+                </a:solidFill>
+              </a:rPr>
+              <a:t>스마트폰을</a:t>
+            </a:r>
+            <a:r>
+              <a:rPr lang="ko-KR" altLang="en-US" sz="2000" dirty="0" smtClean="0">
+                <a:solidFill>
+                  <a:schemeClr val="tx1"/>
+                </a:solidFill>
+              </a:rPr>
+              <a:t> 가장 많이 사용하는 </a:t>
+            </a:r>
+            <a:r>
+              <a:rPr lang="en-US" altLang="ko-KR" sz="2000" dirty="0" smtClean="0">
+                <a:solidFill>
+                  <a:schemeClr val="tx1"/>
+                </a:solidFill>
+              </a:rPr>
+              <a:t>20</a:t>
+            </a:r>
+            <a:r>
+              <a:rPr lang="ko-KR" altLang="en-US" sz="2000" dirty="0" smtClean="0">
+                <a:solidFill>
+                  <a:schemeClr val="tx1"/>
+                </a:solidFill>
+              </a:rPr>
+              <a:t>대</a:t>
+            </a:r>
+            <a:endParaRPr lang="en-US" altLang="ko-KR" dirty="0" smtClean="0"/>
+          </a:p>
+          <a:p>
+            <a:pPr algn="ctr"/>
+            <a:endParaRPr lang="ko-KR" altLang="en-US" dirty="0"/>
+          </a:p>
         </p:txBody>
       </p:sp>
+      <p:pic>
+        <p:nvPicPr>
+          <p:cNvPr id="7" name="그림 6" descr="보급률2.png"/>
+          <p:cNvPicPr/>
+          <p:nvPr/>
+        </p:nvPicPr>
+        <p:blipFill>
+          <a:blip r:embed="rId2" cstate="print"/>
+          <a:stretch>
+            <a:fillRect/>
+          </a:stretch>
+        </p:blipFill>
+        <p:spPr>
+          <a:xfrm>
+            <a:off x="1043608" y="1700808"/>
+            <a:ext cx="3384376" cy="4032448"/>
+          </a:xfrm>
+          <a:prstGeom prst="rect">
+            <a:avLst/>
+          </a:prstGeom>
+        </p:spPr>
+      </p:pic>
       <p:sp>
         <p:nvSpPr>
-          <p:cNvPr id="9" name="직사각형 8"/>
-          <p:cNvSpPr/>
+          <p:cNvPr id="8" name="TextBox 7"/>
+          <p:cNvSpPr txBox="1"/>
           <p:nvPr/>
         </p:nvSpPr>
         <p:spPr>
           <a:xfrm>
-            <a:off x="611560" y="3068960"/>
-            <a:ext cx="4248472" cy="1368152"/>
+            <a:off x="2267744" y="5733256"/>
+            <a:ext cx="3528392" cy="369332"/>
           </a:xfrm>
           <a:prstGeom prst="rect">
             <a:avLst/>
           </a:prstGeom>
           <a:noFill/>
-          <a:ln w="38100">
-            <a:solidFill>
-              <a:srgbClr val="FF0000"/>
-            </a:solidFill>
-          </a:ln>
         </p:spPr>
-        <p:style>
-          <a:lnRef idx="2">
-            <a:schemeClr val="accent1">
-              <a:shade val="50000"/>
-            </a:schemeClr>
-          </a:lnRef>
-          <a:fillRef idx="1">
-            <a:schemeClr val="accent1"/>
-          </a:fillRef>
-          <a:effectRef idx="0">
-            <a:schemeClr val="accent1"/>
-          </a:effectRef>
-          <a:fontRef idx="minor">
-            <a:schemeClr val="lt1"/>
-          </a:fontRef>
-        </p:style>
         <p:txBody>
-          <a:bodyPr rtlCol="0" anchor="ctr"/>
+          <a:bodyPr wrap="square" rtlCol="0">
+            <a:spAutoFit/>
+          </a:bodyPr>
           <a:lstStyle/>
           <a:p>
-            <a:pPr algn="ctr"/>
-            <a:endParaRPr lang="ko-KR" altLang="en-US"/>
-          </a:p>
-        </p:txBody>
-      </p:sp>
-      <p:sp>
-        <p:nvSpPr>
-          <p:cNvPr id="10" name="직사각형 9"/>
-          <p:cNvSpPr/>
-          <p:nvPr/>
-        </p:nvSpPr>
-        <p:spPr>
-          <a:xfrm>
-            <a:off x="611560" y="5157192"/>
-            <a:ext cx="4320480" cy="648072"/>
-          </a:xfrm>
-          <a:prstGeom prst="rect">
-            <a:avLst/>
-          </a:prstGeom>
-          <a:noFill/>
-          <a:ln w="38100">
-            <a:solidFill>
-              <a:srgbClr val="FF0000"/>
-            </a:solidFill>
-          </a:ln>
-        </p:spPr>
-        <p:style>
-          <a:lnRef idx="2">
-            <a:schemeClr val="accent1">
-              <a:shade val="50000"/>
-            </a:schemeClr>
-          </a:lnRef>
-          <a:fillRef idx="1">
-            <a:schemeClr val="accent1"/>
-          </a:fillRef>
-          <a:effectRef idx="0">
-            <a:schemeClr val="accent1"/>
-          </a:effectRef>
-          <a:fontRef idx="minor">
-            <a:schemeClr val="lt1"/>
-          </a:fontRef>
-        </p:style>
-        <p:txBody>
-          <a:bodyPr rtlCol="0" anchor="ctr"/>
-          <a:lstStyle/>
-          <a:p>
-            <a:pPr algn="ctr"/>
-            <a:endParaRPr lang="ko-KR" altLang="en-US"/>
+            <a:r>
+              <a:rPr lang="ko-KR" altLang="en-US" err="1" smtClean="0"/>
+              <a:t>스마트폰</a:t>
+            </a:r>
+            <a:r>
+              <a:rPr lang="ko-KR" altLang="en-US" dirty="0" smtClean="0"/>
+              <a:t> 보급률</a:t>
+            </a:r>
+            <a:endParaRPr lang="ko-KR" altLang="en-US" dirty="0"/>
           </a:p>
         </p:txBody>
       </p:sp>
@@ -5566,47 +5517,266 @@
           </a:p>
         </p:txBody>
       </p:sp>
+      <p:grpSp>
+        <p:nvGrpSpPr>
+          <p:cNvPr id="14" name="그룹 13"/>
+          <p:cNvGrpSpPr/>
+          <p:nvPr/>
+        </p:nvGrpSpPr>
+        <p:grpSpPr>
+          <a:xfrm>
+            <a:off x="1057288" y="1000108"/>
+            <a:ext cx="7029424" cy="4642072"/>
+            <a:chOff x="539552" y="836712"/>
+            <a:chExt cx="7632848" cy="5040560"/>
+          </a:xfrm>
+        </p:grpSpPr>
+        <p:pic>
+          <p:nvPicPr>
+            <p:cNvPr id="7" name="그림 6" descr="top10.png"/>
+            <p:cNvPicPr/>
+            <p:nvPr/>
+          </p:nvPicPr>
+          <p:blipFill>
+            <a:blip r:embed="rId2" cstate="print"/>
+            <a:stretch>
+              <a:fillRect/>
+            </a:stretch>
+          </p:blipFill>
+          <p:spPr>
+            <a:xfrm>
+              <a:off x="539552" y="1412776"/>
+              <a:ext cx="7632848" cy="4464496"/>
+            </a:xfrm>
+            <a:prstGeom prst="rect">
+              <a:avLst/>
+            </a:prstGeom>
+          </p:spPr>
+        </p:pic>
+        <p:sp>
+          <p:nvSpPr>
+            <p:cNvPr id="8" name="사각형 설명선 7"/>
+            <p:cNvSpPr/>
+            <p:nvPr/>
+          </p:nvSpPr>
+          <p:spPr>
+            <a:xfrm>
+              <a:off x="3347864" y="836712"/>
+              <a:ext cx="3168352" cy="1395536"/>
+            </a:xfrm>
+            <a:prstGeom prst="wedgeRectCallout">
+              <a:avLst>
+                <a:gd name="adj1" fmla="val -21837"/>
+                <a:gd name="adj2" fmla="val 96784"/>
+              </a:avLst>
+            </a:prstGeom>
+            <a:solidFill>
+              <a:schemeClr val="accent2">
+                <a:lumMod val="40000"/>
+                <a:lumOff val="60000"/>
+              </a:schemeClr>
+            </a:solidFill>
+            <a:ln>
+              <a:noFill/>
+            </a:ln>
+          </p:spPr>
+          <p:style>
+            <a:lnRef idx="2">
+              <a:schemeClr val="accent1">
+                <a:shade val="50000"/>
+              </a:schemeClr>
+            </a:lnRef>
+            <a:fillRef idx="1">
+              <a:schemeClr val="accent1"/>
+            </a:fillRef>
+            <a:effectRef idx="0">
+              <a:schemeClr val="accent1"/>
+            </a:effectRef>
+            <a:fontRef idx="minor">
+              <a:schemeClr val="lt1"/>
+            </a:fontRef>
+          </p:style>
+          <p:txBody>
+            <a:bodyPr rtlCol="0" anchor="ctr"/>
+            <a:lstStyle/>
+            <a:p>
+              <a:pPr algn="ctr"/>
+              <a:r>
+                <a:rPr lang="ko-KR" altLang="en-US" sz="2000" dirty="0" err="1" smtClean="0">
+                  <a:solidFill>
+                    <a:schemeClr val="tx1"/>
+                  </a:solidFill>
+                </a:rPr>
+                <a:t>모바일</a:t>
+              </a:r>
+              <a:r>
+                <a:rPr lang="ko-KR" altLang="en-US" sz="2000" dirty="0" smtClean="0">
+                  <a:solidFill>
+                    <a:schemeClr val="tx1"/>
+                  </a:solidFill>
+                </a:rPr>
+                <a:t> 게임 선호 연령층은 대부분 </a:t>
+              </a:r>
+              <a:r>
+                <a:rPr lang="en-US" altLang="ko-KR" sz="2000" dirty="0" smtClean="0">
+                  <a:solidFill>
+                    <a:schemeClr val="tx1"/>
+                  </a:solidFill>
+                </a:rPr>
+                <a:t>20</a:t>
+              </a:r>
+              <a:r>
+                <a:rPr lang="ko-KR" altLang="en-US" sz="2000" dirty="0" smtClean="0">
+                  <a:solidFill>
+                    <a:schemeClr val="tx1"/>
+                  </a:solidFill>
+                </a:rPr>
+                <a:t>대 </a:t>
+              </a:r>
+              <a:r>
+                <a:rPr lang="ko-KR" altLang="en-US" sz="2000" dirty="0" smtClean="0">
+                  <a:solidFill>
+                    <a:schemeClr val="tx1"/>
+                  </a:solidFill>
+                </a:rPr>
+                <a:t>남</a:t>
+              </a:r>
+              <a:r>
+                <a:rPr lang="ko-KR" altLang="en-US" sz="2000" dirty="0" smtClean="0">
+                  <a:solidFill>
+                    <a:schemeClr val="tx1"/>
+                  </a:solidFill>
+                </a:rPr>
+                <a:t>성</a:t>
+              </a:r>
+              <a:endParaRPr lang="ko-KR" altLang="en-US" sz="2000" dirty="0">
+                <a:solidFill>
+                  <a:schemeClr val="tx1"/>
+                </a:solidFill>
+              </a:endParaRPr>
+            </a:p>
+          </p:txBody>
+        </p:sp>
+        <p:sp>
+          <p:nvSpPr>
+            <p:cNvPr id="9" name="직사각형 8"/>
+            <p:cNvSpPr/>
+            <p:nvPr/>
+          </p:nvSpPr>
+          <p:spPr>
+            <a:xfrm>
+              <a:off x="611560" y="3068960"/>
+              <a:ext cx="4248472" cy="1368152"/>
+            </a:xfrm>
+            <a:prstGeom prst="rect">
+              <a:avLst/>
+            </a:prstGeom>
+            <a:noFill/>
+            <a:ln w="38100">
+              <a:solidFill>
+                <a:srgbClr val="FF0000"/>
+              </a:solidFill>
+            </a:ln>
+          </p:spPr>
+          <p:style>
+            <a:lnRef idx="2">
+              <a:schemeClr val="accent1">
+                <a:shade val="50000"/>
+              </a:schemeClr>
+            </a:lnRef>
+            <a:fillRef idx="1">
+              <a:schemeClr val="accent1"/>
+            </a:fillRef>
+            <a:effectRef idx="0">
+              <a:schemeClr val="accent1"/>
+            </a:effectRef>
+            <a:fontRef idx="minor">
+              <a:schemeClr val="lt1"/>
+            </a:fontRef>
+          </p:style>
+          <p:txBody>
+            <a:bodyPr rtlCol="0" anchor="ctr"/>
+            <a:lstStyle/>
+            <a:p>
+              <a:pPr algn="ctr"/>
+              <a:endParaRPr lang="ko-KR" altLang="en-US"/>
+            </a:p>
+          </p:txBody>
+        </p:sp>
+        <p:sp>
+          <p:nvSpPr>
+            <p:cNvPr id="10" name="직사각형 9"/>
+            <p:cNvSpPr/>
+            <p:nvPr/>
+          </p:nvSpPr>
+          <p:spPr>
+            <a:xfrm>
+              <a:off x="611560" y="5157192"/>
+              <a:ext cx="4320480" cy="648072"/>
+            </a:xfrm>
+            <a:prstGeom prst="rect">
+              <a:avLst/>
+            </a:prstGeom>
+            <a:noFill/>
+            <a:ln w="38100">
+              <a:solidFill>
+                <a:srgbClr val="FF0000"/>
+              </a:solidFill>
+            </a:ln>
+          </p:spPr>
+          <p:style>
+            <a:lnRef idx="2">
+              <a:schemeClr val="accent1">
+                <a:shade val="50000"/>
+              </a:schemeClr>
+            </a:lnRef>
+            <a:fillRef idx="1">
+              <a:schemeClr val="accent1"/>
+            </a:fillRef>
+            <a:effectRef idx="0">
+              <a:schemeClr val="accent1"/>
+            </a:effectRef>
+            <a:fontRef idx="minor">
+              <a:schemeClr val="lt1"/>
+            </a:fontRef>
+          </p:style>
+          <p:txBody>
+            <a:bodyPr rtlCol="0" anchor="ctr"/>
+            <a:lstStyle/>
+            <a:p>
+              <a:pPr algn="ctr"/>
+              <a:endParaRPr lang="ko-KR" altLang="en-US"/>
+            </a:p>
+          </p:txBody>
+        </p:sp>
+      </p:grpSp>
       <p:sp>
         <p:nvSpPr>
-          <p:cNvPr id="6" name="사각형 설명선 5"/>
+          <p:cNvPr id="11" name="오른쪽 화살표 10"/>
           <p:cNvSpPr/>
           <p:nvPr/>
         </p:nvSpPr>
         <p:spPr>
           <a:xfrm>
-            <a:off x="5148064" y="1268760"/>
-            <a:ext cx="3168352" cy="2232248"/>
+            <a:off x="500034" y="5786454"/>
+            <a:ext cx="2000264" cy="357190"/>
           </a:xfrm>
-          <a:prstGeom prst="wedgeRectCallout">
-            <a:avLst>
-              <a:gd name="adj1" fmla="val -56469"/>
-              <a:gd name="adj2" fmla="val 74149"/>
-            </a:avLst>
+          <a:prstGeom prst="rightArrow">
+            <a:avLst/>
           </a:prstGeom>
-          <a:solidFill>
-            <a:schemeClr val="accent2">
-              <a:lumMod val="40000"/>
-              <a:lumOff val="60000"/>
-            </a:schemeClr>
-          </a:solidFill>
-          <a:ln>
-            <a:noFill/>
-          </a:ln>
         </p:spPr>
         <p:style>
-          <a:lnRef idx="2">
-            <a:schemeClr val="accent1">
-              <a:shade val="50000"/>
-            </a:schemeClr>
+          <a:lnRef idx="1">
+            <a:schemeClr val="accent2"/>
           </a:lnRef>
-          <a:fillRef idx="1">
-            <a:schemeClr val="accent1"/>
+          <a:fillRef idx="2">
+            <a:schemeClr val="accent2"/>
           </a:fillRef>
-          <a:effectRef idx="0">
-            <a:schemeClr val="accent1"/>
+          <a:effectRef idx="1">
+            <a:schemeClr val="accent2"/>
           </a:effectRef>
           <a:fontRef idx="minor">
-            <a:schemeClr val="lt1"/>
+            <a:schemeClr val="dk1"/>
           </a:fontRef>
         </p:style>
         <p:txBody>
@@ -5614,209 +5784,20 @@
           <a:lstStyle/>
           <a:p>
             <a:pPr algn="ctr"/>
-            <a:r>
-              <a:rPr lang="en-US" altLang="ko-KR" sz="2000" dirty="0" smtClean="0">
-                <a:solidFill>
-                  <a:schemeClr val="tx1"/>
-                </a:solidFill>
-              </a:rPr>
-              <a:t>‘</a:t>
-            </a:r>
-          </a:p>
-          <a:p>
-            <a:pPr algn="ctr"/>
-            <a:endParaRPr lang="en-US" altLang="ko-KR" sz="2000" dirty="0" smtClean="0">
-              <a:solidFill>
-                <a:schemeClr val="tx1"/>
-              </a:solidFill>
-            </a:endParaRPr>
-          </a:p>
-          <a:p>
-            <a:pPr algn="ctr"/>
-            <a:r>
-              <a:rPr lang="ko-KR" altLang="en-US" sz="2000" dirty="0" err="1" smtClean="0">
-                <a:solidFill>
-                  <a:schemeClr val="tx1"/>
-                </a:solidFill>
-              </a:rPr>
-              <a:t>토투가</a:t>
-            </a:r>
-            <a:r>
-              <a:rPr lang="ko-KR" altLang="en-US" sz="2000" dirty="0" smtClean="0">
-                <a:solidFill>
-                  <a:schemeClr val="tx1"/>
-                </a:solidFill>
-              </a:rPr>
-              <a:t> </a:t>
-            </a:r>
-            <a:r>
-              <a:rPr lang="ko-KR" altLang="en-US" sz="2000" dirty="0" err="1" smtClean="0">
-                <a:solidFill>
-                  <a:schemeClr val="tx1"/>
-                </a:solidFill>
-              </a:rPr>
-              <a:t>베이</a:t>
-            </a:r>
-            <a:r>
-              <a:rPr lang="en-US" altLang="ko-KR" sz="2000" dirty="0" smtClean="0">
-                <a:solidFill>
-                  <a:schemeClr val="tx1"/>
-                </a:solidFill>
-              </a:rPr>
-              <a:t>’</a:t>
-            </a:r>
-            <a:r>
-              <a:rPr lang="ko-KR" altLang="en-US" sz="2000" dirty="0" smtClean="0">
-                <a:solidFill>
-                  <a:schemeClr val="tx1"/>
-                </a:solidFill>
-              </a:rPr>
-              <a:t>는 </a:t>
-            </a:r>
-            <a:endParaRPr lang="en-US" altLang="ko-KR" sz="2000" dirty="0" smtClean="0">
-              <a:solidFill>
-                <a:schemeClr val="tx1"/>
-              </a:solidFill>
-            </a:endParaRPr>
-          </a:p>
-          <a:p>
-            <a:pPr algn="ctr"/>
-            <a:r>
-              <a:rPr lang="ko-KR" altLang="en-US" sz="2000" dirty="0" smtClean="0">
-                <a:solidFill>
-                  <a:schemeClr val="tx1"/>
-                </a:solidFill>
-              </a:rPr>
-              <a:t>주요 </a:t>
-            </a:r>
-            <a:r>
-              <a:rPr lang="ko-KR" altLang="en-US" sz="2000" dirty="0" err="1" smtClean="0">
-                <a:solidFill>
-                  <a:schemeClr val="tx1"/>
-                </a:solidFill>
-              </a:rPr>
-              <a:t>타겟층을</a:t>
-            </a:r>
-            <a:r>
-              <a:rPr lang="ko-KR" altLang="en-US" sz="2000" dirty="0" smtClean="0">
-                <a:solidFill>
-                  <a:schemeClr val="tx1"/>
-                </a:solidFill>
-              </a:rPr>
-              <a:t> </a:t>
-            </a:r>
-            <a:endParaRPr lang="en-US" altLang="ko-KR" sz="2000" dirty="0" smtClean="0">
-              <a:solidFill>
-                <a:schemeClr val="tx1"/>
-              </a:solidFill>
-            </a:endParaRPr>
-          </a:p>
-          <a:p>
-            <a:pPr algn="ctr"/>
-            <a:r>
-              <a:rPr lang="ko-KR" altLang="en-US" sz="2000" dirty="0" err="1" smtClean="0">
-                <a:solidFill>
-                  <a:schemeClr val="tx1"/>
-                </a:solidFill>
-              </a:rPr>
-              <a:t>스마트폰을</a:t>
-            </a:r>
-            <a:r>
-              <a:rPr lang="ko-KR" altLang="en-US" sz="2000" dirty="0" smtClean="0">
-                <a:solidFill>
-                  <a:schemeClr val="tx1"/>
-                </a:solidFill>
-              </a:rPr>
-              <a:t> 보유한</a:t>
-            </a:r>
-            <a:endParaRPr lang="en-US" altLang="ko-KR" sz="2000" dirty="0" smtClean="0">
-              <a:solidFill>
-                <a:schemeClr val="tx1"/>
-              </a:solidFill>
-            </a:endParaRPr>
-          </a:p>
-          <a:p>
-            <a:pPr algn="ctr"/>
-            <a:r>
-              <a:rPr lang="en-US" altLang="ko-KR" sz="2000" dirty="0" smtClean="0">
-                <a:solidFill>
-                  <a:schemeClr val="tx1"/>
-                </a:solidFill>
-              </a:rPr>
-              <a:t>20</a:t>
-            </a:r>
-            <a:r>
-              <a:rPr lang="ko-KR" altLang="en-US" sz="2000" dirty="0" smtClean="0">
-                <a:solidFill>
-                  <a:schemeClr val="tx1"/>
-                </a:solidFill>
-              </a:rPr>
-              <a:t>대의 </a:t>
-            </a:r>
-            <a:endParaRPr lang="en-US" altLang="ko-KR" sz="2000" dirty="0" smtClean="0">
-              <a:solidFill>
-                <a:schemeClr val="tx1"/>
-              </a:solidFill>
-            </a:endParaRPr>
-          </a:p>
-          <a:p>
-            <a:pPr algn="ctr"/>
-            <a:r>
-              <a:rPr lang="ko-KR" altLang="en-US" sz="2000" dirty="0" smtClean="0">
-                <a:solidFill>
-                  <a:schemeClr val="tx1"/>
-                </a:solidFill>
-              </a:rPr>
-              <a:t>성인 남녀로 선정</a:t>
-            </a:r>
-            <a:endParaRPr lang="en-US" altLang="ko-KR" sz="2000" dirty="0" smtClean="0">
-              <a:solidFill>
-                <a:schemeClr val="tx1"/>
-              </a:solidFill>
-            </a:endParaRPr>
-          </a:p>
-          <a:p>
-            <a:pPr algn="ctr"/>
-            <a:endParaRPr lang="en-US" altLang="ko-KR" dirty="0" smtClean="0"/>
-          </a:p>
-          <a:p>
-            <a:pPr algn="ctr"/>
-            <a:endParaRPr lang="ko-KR" altLang="en-US" dirty="0"/>
+            <a:endParaRPr lang="ko-KR" altLang="en-US"/>
           </a:p>
         </p:txBody>
       </p:sp>
-      <p:pic>
-        <p:nvPicPr>
-          <p:cNvPr id="7" name="그림 6" descr="보급률2.png"/>
-          <p:cNvPicPr/>
-          <p:nvPr/>
-        </p:nvPicPr>
-        <p:blipFill>
-          <a:blip r:embed="rId2" cstate="print"/>
-          <a:stretch>
-            <a:fillRect/>
-          </a:stretch>
-        </p:blipFill>
-        <p:spPr>
-          <a:xfrm>
-            <a:off x="1043608" y="1700808"/>
-            <a:ext cx="3384376" cy="4032448"/>
-          </a:xfrm>
-          <a:prstGeom prst="rect">
-            <a:avLst/>
-          </a:prstGeom>
-        </p:spPr>
-      </p:pic>
       <p:sp>
         <p:nvSpPr>
-          <p:cNvPr id="8" name="TextBox 7"/>
+          <p:cNvPr id="12" name="TextBox 11"/>
           <p:cNvSpPr txBox="1"/>
           <p:nvPr/>
         </p:nvSpPr>
         <p:spPr>
           <a:xfrm>
-            <a:off x="2267744" y="5733256"/>
-            <a:ext cx="3528392" cy="369332"/>
+            <a:off x="2643174" y="5715016"/>
+            <a:ext cx="5286412" cy="707886"/>
           </a:xfrm>
           <a:prstGeom prst="rect">
             <a:avLst/>
@@ -5830,14 +5811,57 @@
           <a:lstStyle/>
           <a:p>
             <a:r>
-              <a:rPr lang="ko-KR" altLang="en-US" err="1" smtClean="0"/>
+              <a:rPr lang="ko-KR" altLang="en-US" sz="2000" dirty="0" smtClean="0"/>
+              <a:t>연령별 </a:t>
+            </a:r>
+            <a:r>
+              <a:rPr lang="ko-KR" altLang="en-US" sz="2000" dirty="0" err="1" smtClean="0"/>
               <a:t>스마트폰</a:t>
             </a:r>
             <a:r>
-              <a:rPr lang="ko-KR" altLang="en-US" dirty="0" smtClean="0"/>
+              <a:rPr lang="ko-KR" altLang="en-US" sz="2000" dirty="0" smtClean="0"/>
               <a:t> 보급률</a:t>
             </a:r>
-            <a:endParaRPr lang="ko-KR" altLang="en-US" dirty="0"/>
+            <a:r>
+              <a:rPr lang="en-US" altLang="ko-KR" sz="2000" dirty="0" smtClean="0"/>
+              <a:t> </a:t>
+            </a:r>
+            <a:r>
+              <a:rPr lang="ko-KR" altLang="en-US" sz="2000" dirty="0" smtClean="0"/>
+              <a:t>및 선호 연령층을 </a:t>
+            </a:r>
+            <a:r>
+              <a:rPr lang="en-US" altLang="ko-KR" sz="2000" dirty="0" smtClean="0"/>
+              <a:t/>
+            </a:r>
+            <a:br>
+              <a:rPr lang="en-US" altLang="ko-KR" sz="2000" dirty="0" smtClean="0"/>
+            </a:br>
+            <a:r>
+              <a:rPr lang="ko-KR" altLang="en-US" sz="2000" dirty="0" smtClean="0"/>
+              <a:t>따져보아 </a:t>
+            </a:r>
+            <a:r>
+              <a:rPr lang="en-US" altLang="ko-KR" sz="2000" dirty="0" smtClean="0"/>
+              <a:t>20</a:t>
+            </a:r>
+            <a:r>
+              <a:rPr lang="ko-KR" altLang="en-US" sz="2000" dirty="0" smtClean="0"/>
+              <a:t>대 성인 남녀로 </a:t>
+            </a:r>
+            <a:r>
+              <a:rPr lang="ko-KR" altLang="en-US" sz="2000" dirty="0" err="1" smtClean="0"/>
+              <a:t>타겟</a:t>
+            </a:r>
+            <a:r>
+              <a:rPr lang="ko-KR" altLang="en-US" sz="2000" dirty="0" smtClean="0"/>
+              <a:t> 설정</a:t>
+            </a:r>
+            <a:r>
+              <a:rPr lang="en-US" altLang="ko-KR" sz="2000" dirty="0" smtClean="0"/>
+              <a:t>.</a:t>
+            </a:r>
+            <a:endParaRPr lang="ko-KR" altLang="en-US" sz="2000" dirty="0"/>
           </a:p>
         </p:txBody>
       </p:sp>
@@ -6349,7 +6373,7 @@
             <a:blip r:embed="rId2" cstate="print">
               <a:extLst>
                 <a:ext uri="{28A0092B-C50C-407E-A947-70E740481C1C}">
-                  <a14:useLocalDpi xmlns:a14="http://schemas.microsoft.com/office/drawing/2010/main" xmlns="" val="0"/>
+                  <a14:useLocalDpi xmlns="" xmlns:a14="http://schemas.microsoft.com/office/drawing/2010/main" val="0"/>
                 </a:ext>
               </a:extLst>
             </a:blip>
@@ -6552,7 +6576,7 @@
     </p:spTree>
     <p:extLst>
       <p:ext uri="{BB962C8B-B14F-4D97-AF65-F5344CB8AC3E}">
-        <p14:creationId xmlns:p14="http://schemas.microsoft.com/office/powerpoint/2010/main" xmlns="" val="2619248131"/>
+        <p14:creationId xmlns="" xmlns:p14="http://schemas.microsoft.com/office/powerpoint/2010/main" val="2619248131"/>
       </p:ext>
     </p:extLst>
   </p:cSld>
@@ -8442,7 +8466,7 @@
             <a:blip r:embed="rId2" cstate="print">
               <a:extLst>
                 <a:ext uri="{28A0092B-C50C-407E-A947-70E740481C1C}">
-                  <a14:useLocalDpi xmlns:a14="http://schemas.microsoft.com/office/drawing/2010/main" xmlns="" val="0"/>
+                  <a14:useLocalDpi xmlns="" xmlns:a14="http://schemas.microsoft.com/office/drawing/2010/main" val="0"/>
                 </a:ext>
               </a:extLst>
             </a:blip>
@@ -8645,7 +8669,7 @@
     </p:spTree>
     <p:extLst>
       <p:ext uri="{BB962C8B-B14F-4D97-AF65-F5344CB8AC3E}">
-        <p14:creationId xmlns:p14="http://schemas.microsoft.com/office/powerpoint/2010/main" xmlns="" val="2619248131"/>
+        <p14:creationId xmlns="" xmlns:p14="http://schemas.microsoft.com/office/powerpoint/2010/main" val="2619248131"/>
       </p:ext>
     </p:extLst>
   </p:cSld>
@@ -9955,27 +9979,7 @@
                 <a:latin typeface="-윤고딕330" pitchFamily="18" charset="-127"/>
                 <a:ea typeface="-윤고딕330" pitchFamily="18" charset="-127"/>
               </a:rPr>
-              <a:t>목표 대상 </a:t>
-            </a:r>
-            <a:r>
-              <a:rPr lang="ko-KR" altLang="en-US" sz="1500" dirty="0" smtClean="0">
-                <a:ln>
-                  <a:solidFill>
-                    <a:schemeClr val="bg1">
-                      <a:alpha val="0"/>
-                    </a:schemeClr>
-                  </a:solidFill>
-                </a:ln>
-                <a:solidFill>
-                  <a:schemeClr val="tx1">
-                    <a:lumMod val="75000"/>
-                    <a:lumOff val="25000"/>
-                  </a:schemeClr>
-                </a:solidFill>
-                <a:latin typeface="-윤고딕330" pitchFamily="18" charset="-127"/>
-                <a:ea typeface="-윤고딕330" pitchFamily="18" charset="-127"/>
-              </a:rPr>
-              <a:t>고객</a:t>
+              <a:t>목표 대상 고객</a:t>
             </a:r>
             <a:endParaRPr lang="en-US" altLang="ko-KR" sz="1500" dirty="0" smtClean="0">
               <a:ln>
@@ -10749,7 +10753,7 @@
     </p:spTree>
     <p:extLst>
       <p:ext uri="{BB962C8B-B14F-4D97-AF65-F5344CB8AC3E}">
-        <p14:creationId xmlns:p14="http://schemas.microsoft.com/office/powerpoint/2010/main" xmlns="" val="2378213369"/>
+        <p14:creationId xmlns="" xmlns:p14="http://schemas.microsoft.com/office/powerpoint/2010/main" val="2378213369"/>
       </p:ext>
     </p:extLst>
   </p:cSld>
@@ -13380,7 +13384,7 @@
             <a:blip r:embed="rId2" cstate="print">
               <a:extLst>
                 <a:ext uri="{28A0092B-C50C-407E-A947-70E740481C1C}">
-                  <a14:useLocalDpi xmlns:a14="http://schemas.microsoft.com/office/drawing/2010/main" xmlns="" val="0"/>
+                  <a14:useLocalDpi xmlns="" xmlns:a14="http://schemas.microsoft.com/office/drawing/2010/main" val="0"/>
                 </a:ext>
               </a:extLst>
             </a:blip>
@@ -13583,7 +13587,7 @@
     </p:spTree>
     <p:extLst>
       <p:ext uri="{BB962C8B-B14F-4D97-AF65-F5344CB8AC3E}">
-        <p14:creationId xmlns:p14="http://schemas.microsoft.com/office/powerpoint/2010/main" xmlns="" val="2619248131"/>
+        <p14:creationId xmlns="" xmlns:p14="http://schemas.microsoft.com/office/powerpoint/2010/main" val="2619248131"/>
       </p:ext>
     </p:extLst>
   </p:cSld>
@@ -14506,7 +14510,7 @@
             <a:blip r:embed="rId2" cstate="print">
               <a:extLst>
                 <a:ext uri="{28A0092B-C50C-407E-A947-70E740481C1C}">
-                  <a14:useLocalDpi xmlns:a14="http://schemas.microsoft.com/office/drawing/2010/main" xmlns="" val="0"/>
+                  <a14:useLocalDpi xmlns="" xmlns:a14="http://schemas.microsoft.com/office/drawing/2010/main" val="0"/>
                 </a:ext>
               </a:extLst>
             </a:blip>
@@ -14709,7 +14713,7 @@
     </p:spTree>
     <p:extLst>
       <p:ext uri="{BB962C8B-B14F-4D97-AF65-F5344CB8AC3E}">
-        <p14:creationId xmlns:p14="http://schemas.microsoft.com/office/powerpoint/2010/main" xmlns="" val="2619248131"/>
+        <p14:creationId xmlns="" xmlns:p14="http://schemas.microsoft.com/office/powerpoint/2010/main" val="2619248131"/>
       </p:ext>
     </p:extLst>
   </p:cSld>
@@ -14923,11 +14927,6 @@
               </a:rPr>
               <a:t>.</a:t>
             </a:r>
-            <a:endParaRPr lang="en-US" altLang="ko-KR" sz="2400" dirty="0" smtClean="0">
-              <a:solidFill>
-                <a:srgbClr val="925F0C"/>
-              </a:solidFill>
-            </a:endParaRPr>
           </a:p>
           <a:p>
             <a:pPr>
@@ -23944,7 +23943,7 @@
     </p:spTree>
     <p:extLst>
       <p:ext uri="{BB962C8B-B14F-4D97-AF65-F5344CB8AC3E}">
-        <p14:creationId xmlns:p14="http://schemas.microsoft.com/office/powerpoint/2010/main" xmlns="" val="2378213369"/>
+        <p14:creationId xmlns="" xmlns:p14="http://schemas.microsoft.com/office/powerpoint/2010/main" val="2378213369"/>
       </p:ext>
     </p:extLst>
   </p:cSld>
@@ -25952,16 +25951,16 @@
       </p:sp>
       <p:grpSp>
         <p:nvGrpSpPr>
-          <p:cNvPr id="15" name="그룹 14"/>
+          <p:cNvPr id="16" name="그룹 15"/>
           <p:cNvGrpSpPr/>
           <p:nvPr/>
         </p:nvGrpSpPr>
         <p:grpSpPr>
           <a:xfrm>
-            <a:off x="1142976" y="2214554"/>
-            <a:ext cx="7096061" cy="1285884"/>
-            <a:chOff x="1285852" y="1571612"/>
-            <a:chExt cx="5916611" cy="800100"/>
+            <a:off x="857753" y="2214554"/>
+            <a:ext cx="7428494" cy="1285884"/>
+            <a:chOff x="1142976" y="2214554"/>
+            <a:chExt cx="7428494" cy="1285884"/>
           </a:xfrm>
         </p:grpSpPr>
         <p:grpSp>
@@ -25974,10 +25973,10 @@
           </p:nvGrpSpPr>
           <p:grpSpPr bwMode="auto">
             <a:xfrm>
-              <a:off x="1285852" y="1571612"/>
-              <a:ext cx="5876925" cy="800100"/>
+              <a:off x="1142976" y="2214554"/>
+              <a:ext cx="7428494" cy="1285884"/>
               <a:chOff x="1590" y="6818"/>
-              <a:chExt cx="9255" cy="1260"/>
+              <a:chExt cx="9754" cy="1260"/>
             </a:xfrm>
           </p:grpSpPr>
           <p:sp>
@@ -25990,7 +25989,7 @@
             </p:nvSpPr>
             <p:spPr bwMode="auto">
               <a:xfrm>
-                <a:off x="8970" y="6818"/>
+                <a:off x="9469" y="6818"/>
                 <a:ext cx="1875" cy="1260"/>
               </a:xfrm>
               <a:prstGeom prst="rect">
@@ -26033,7 +26032,7 @@
                   <a:tabLst/>
                 </a:pPr>
                 <a:r>
-                  <a:rPr kumimoji="1" lang="ko-KR" altLang="en-US" sz="1100" b="1" i="0" u="none" strike="noStrike" cap="none" normalizeH="0" baseline="0" smtClean="0">
+                  <a:rPr kumimoji="1" lang="ko-KR" altLang="en-US" sz="1100" b="1" i="0" u="none" strike="noStrike" cap="none" normalizeH="0" baseline="0" dirty="0" smtClean="0">
                     <a:ln>
                       <a:noFill/>
                     </a:ln>
@@ -26048,7 +26047,7 @@
                   <a:t>스테이지 </a:t>
                 </a:r>
                 <a:r>
-                  <a:rPr kumimoji="1" lang="en-US" altLang="ko-KR" sz="1100" b="1" i="0" u="none" strike="noStrike" cap="none" normalizeH="0" baseline="0" smtClean="0">
+                  <a:rPr kumimoji="1" lang="en-US" altLang="ko-KR" sz="1100" b="1" i="0" u="none" strike="noStrike" cap="none" normalizeH="0" baseline="0" dirty="0" smtClean="0">
                     <a:ln>
                       <a:noFill/>
                     </a:ln>
@@ -26062,7 +26061,7 @@
                   </a:rPr>
                   <a:t>N</a:t>
                 </a:r>
-                <a:endParaRPr kumimoji="1" lang="en-US" altLang="ko-KR" sz="1100" b="1" i="0" u="none" strike="noStrike" cap="none" normalizeH="0" baseline="0" smtClean="0">
+                <a:endParaRPr kumimoji="1" lang="en-US" altLang="ko-KR" sz="1100" b="1" i="0" u="none" strike="noStrike" cap="none" normalizeH="0" baseline="0" dirty="0" smtClean="0">
                   <a:ln>
                     <a:noFill/>
                   </a:ln>
@@ -26093,7 +26092,7 @@
                   <a:tabLst/>
                 </a:pPr>
                 <a:r>
-                  <a:rPr kumimoji="1" lang="ko-KR" altLang="en-US" sz="1100" b="1" i="0" u="none" strike="noStrike" cap="none" normalizeH="0" baseline="0" smtClean="0">
+                  <a:rPr kumimoji="1" lang="ko-KR" altLang="en-US" sz="1100" b="1" i="0" u="none" strike="noStrike" cap="none" normalizeH="0" baseline="0" dirty="0" smtClean="0">
                     <a:ln>
                       <a:noFill/>
                     </a:ln>
@@ -26105,9 +26104,24 @@
                     <a:ea typeface="맑은 고딕" pitchFamily="50" charset="-127"/>
                     <a:cs typeface="굴림" pitchFamily="50" charset="-127"/>
                   </a:rPr>
-                  <a:t>보스 몬스터</a:t>
+                  <a:t>보스 </a:t>
                 </a:r>
-                <a:endParaRPr kumimoji="1" lang="ko-KR" sz="1800" b="0" i="0" u="none" strike="noStrike" cap="none" normalizeH="0" baseline="0" smtClean="0">
+                <a:r>
+                  <a:rPr kumimoji="1" lang="ko-KR" altLang="en-US" sz="1100" b="1" i="0" u="none" strike="noStrike" cap="none" normalizeH="0" baseline="0" dirty="0" smtClean="0">
+                    <a:ln>
+                      <a:noFill/>
+                    </a:ln>
+                    <a:solidFill>
+                      <a:schemeClr val="tx1"/>
+                    </a:solidFill>
+                    <a:effectLst/>
+                    <a:latin typeface="맑은 고딕" pitchFamily="50" charset="-127"/>
+                    <a:ea typeface="맑은 고딕" pitchFamily="50" charset="-127"/>
+                    <a:cs typeface="굴림" pitchFamily="50" charset="-127"/>
+                  </a:rPr>
+                  <a:t>몬</a:t>
+                </a:r>
+                <a:endParaRPr kumimoji="1" lang="ko-KR" sz="1800" b="0" i="0" u="none" strike="noStrike" cap="none" normalizeH="0" baseline="0" dirty="0" smtClean="0">
                   <a:ln>
                     <a:noFill/>
                   </a:ln>
@@ -26133,7 +26147,7 @@
             <p:spPr bwMode="auto">
               <a:xfrm>
                 <a:off x="1590" y="7192"/>
-                <a:ext cx="7692" cy="750"/>
+                <a:ext cx="7879" cy="750"/>
               </a:xfrm>
               <a:prstGeom prst="rightArrow">
                 <a:avLst>
@@ -26492,7 +26506,7 @@
           </p:nvSpPr>
           <p:spPr>
             <a:xfrm>
-              <a:off x="1857356" y="1785926"/>
+              <a:off x="1928794" y="2714620"/>
               <a:ext cx="1191352" cy="338554"/>
             </a:xfrm>
             <a:prstGeom prst="rect">
@@ -26506,6 +26520,7 @@
             </a:bodyPr>
             <a:lstStyle/>
             <a:p>
+              <a:pPr algn="ctr"/>
               <a:r>
                 <a:rPr lang="ko-KR" altLang="en-US" sz="1600" dirty="0" smtClean="0">
                   <a:solidFill>
@@ -26538,7 +26553,7 @@
           </p:nvSpPr>
           <p:spPr>
             <a:xfrm>
-              <a:off x="3214678" y="1785926"/>
+              <a:off x="3556692" y="2714620"/>
               <a:ext cx="1191352" cy="338554"/>
             </a:xfrm>
             <a:prstGeom prst="rect">
@@ -26552,6 +26567,7 @@
             </a:bodyPr>
             <a:lstStyle/>
             <a:p>
+              <a:pPr algn="ctr"/>
               <a:r>
                 <a:rPr lang="ko-KR" altLang="en-US" sz="1600" dirty="0" smtClean="0">
                   <a:solidFill>
@@ -26584,8 +26600,8 @@
           </p:nvSpPr>
           <p:spPr>
             <a:xfrm>
-              <a:off x="4572000" y="1785926"/>
-              <a:ext cx="930063" cy="338554"/>
+              <a:off x="5214942" y="2670578"/>
+              <a:ext cx="1115467" cy="544108"/>
             </a:xfrm>
             <a:prstGeom prst="rect">
               <a:avLst/>
@@ -26604,15 +26620,7 @@
                     <a:schemeClr val="bg1"/>
                   </a:solidFill>
                 </a:rPr>
-                <a:t>  </a:t>
-              </a:r>
-              <a:r>
-                <a:rPr lang="en-US" altLang="ko-KR" sz="1600" dirty="0" smtClean="0">
-                  <a:solidFill>
-                    <a:schemeClr val="bg1"/>
-                  </a:solidFill>
-                </a:rPr>
-                <a:t>  ………</a:t>
+                <a:t>    ………</a:t>
               </a:r>
               <a:endParaRPr lang="ko-KR" altLang="en-US" sz="1600" dirty="0">
                 <a:solidFill>
@@ -26630,8 +26638,8 @@
           </p:nvSpPr>
           <p:spPr>
             <a:xfrm>
-              <a:off x="6143636" y="1689150"/>
-              <a:ext cx="1058827" cy="593662"/>
+              <a:off x="7215206" y="2403456"/>
+              <a:ext cx="1269899" cy="954106"/>
             </a:xfrm>
             <a:prstGeom prst="rect">
               <a:avLst/>
@@ -26650,7 +26658,7 @@
                     <a:schemeClr val="bg1"/>
                   </a:solidFill>
                 </a:rPr>
-                <a:t>스테이지 </a:t>
+                <a:t>  스테이지 </a:t>
               </a:r>
               <a:r>
                 <a:rPr lang="en-US" altLang="ko-KR" sz="1400" dirty="0" smtClean="0">
@@ -26706,15 +26714,7 @@
                     <a:schemeClr val="bg1"/>
                   </a:solidFill>
                 </a:rPr>
-                <a:t> </a:t>
-              </a:r>
-              <a:r>
-                <a:rPr lang="en-US" altLang="ko-KR" sz="1400" dirty="0" smtClean="0">
-                  <a:solidFill>
-                    <a:schemeClr val="bg1"/>
-                  </a:solidFill>
-                </a:rPr>
-                <a:t> </a:t>
+                <a:t>  </a:t>
               </a:r>
               <a:r>
                 <a:rPr lang="ko-KR" altLang="en-US" sz="1400" dirty="0" smtClean="0">
@@ -26741,7 +26741,7 @@
         </p:nvSpPr>
         <p:spPr>
           <a:xfrm>
-            <a:off x="1142976" y="4214818"/>
+            <a:off x="1035819" y="4214818"/>
             <a:ext cx="7072362" cy="869790"/>
           </a:xfrm>
           <a:prstGeom prst="rect">
@@ -26873,7 +26873,7 @@
         </p:nvGrpSpPr>
         <p:grpSpPr bwMode="auto">
           <a:xfrm>
-            <a:off x="1285852" y="1500174"/>
+            <a:off x="1214414" y="1500174"/>
             <a:ext cx="6715172" cy="3777749"/>
             <a:chOff x="1455" y="5199"/>
             <a:chExt cx="9071" cy="5102"/>
@@ -28105,7 +28105,7 @@
         </p:nvSpPr>
         <p:spPr>
           <a:xfrm>
-            <a:off x="1428728" y="5572140"/>
+            <a:off x="1233586" y="5572140"/>
             <a:ext cx="6676828" cy="869790"/>
           </a:xfrm>
           <a:prstGeom prst="rect">
@@ -28295,7 +28295,7 @@
         </p:nvSpPr>
         <p:spPr>
           <a:xfrm>
-            <a:off x="1142976" y="1285860"/>
+            <a:off x="1035819" y="1285860"/>
             <a:ext cx="7072362" cy="923330"/>
           </a:xfrm>
           <a:prstGeom prst="rect">
@@ -28419,7 +28419,7 @@
           <p:nvPr/>
         </p:nvGraphicFramePr>
         <p:xfrm>
-          <a:off x="1000100" y="2428868"/>
+          <a:off x="892943" y="2428868"/>
           <a:ext cx="7358115" cy="3714776"/>
         </p:xfrm>
         <a:graphic>
@@ -28824,15 +28824,7 @@
                   <a:srgbClr val="925F0C"/>
                 </a:solidFill>
               </a:rPr>
-              <a:t>게임을 진행하며 할 수 </a:t>
-            </a:r>
-            <a:r>
-              <a:rPr lang="ko-KR" altLang="en-US" sz="2000" dirty="0" smtClean="0">
-                <a:solidFill>
-                  <a:srgbClr val="925F0C"/>
-                </a:solidFill>
-              </a:rPr>
-              <a:t>있는 </a:t>
+              <a:t>게임을 진행하며 할 수 있는 </a:t>
             </a:r>
             <a:r>
               <a:rPr lang="ko-KR" altLang="en-US" sz="2000" dirty="0" err="1" smtClean="0">
@@ -28898,11 +28890,6 @@
               </a:rPr>
               <a:t>전투 및 항해에 사용하는 스킬</a:t>
             </a:r>
-            <a:endParaRPr lang="ko-KR" altLang="en-US" sz="2000" dirty="0" smtClean="0">
-              <a:solidFill>
-                <a:srgbClr val="925F0C"/>
-              </a:solidFill>
-            </a:endParaRPr>
           </a:p>
           <a:p>
             <a:pPr>
@@ -29108,7 +29095,7 @@
         </p:blipFill>
         <p:spPr>
           <a:xfrm>
-            <a:off x="1000100" y="2786058"/>
+            <a:off x="892943" y="2786058"/>
             <a:ext cx="7358114" cy="3214710"/>
           </a:xfrm>
           <a:prstGeom prst="rect">
@@ -29368,7 +29355,7 @@
         </p:blipFill>
         <p:spPr>
           <a:xfrm>
-            <a:off x="1071538" y="2071678"/>
+            <a:off x="1035819" y="2071678"/>
             <a:ext cx="7072362" cy="3857652"/>
           </a:xfrm>
           <a:prstGeom prst="rect">
@@ -29560,7 +29547,7 @@
         </p:nvSpPr>
         <p:spPr>
           <a:xfrm>
-            <a:off x="1214414" y="5000636"/>
+            <a:off x="1214414" y="4500570"/>
             <a:ext cx="5551520" cy="1285288"/>
           </a:xfrm>
           <a:prstGeom prst="rect">
@@ -29936,7 +29923,7 @@
         </p:blipFill>
         <p:spPr>
           <a:xfrm>
-            <a:off x="1643042" y="1571612"/>
+            <a:off x="1500166" y="1857364"/>
             <a:ext cx="6143668" cy="3786214"/>
           </a:xfrm>
           <a:prstGeom prst="rect">
@@ -30135,8 +30122,8 @@
         </p:blipFill>
         <p:spPr>
           <a:xfrm>
-            <a:off x="1714480" y="1857364"/>
-            <a:ext cx="5723275" cy="3565526"/>
+            <a:off x="1481400" y="1857364"/>
+            <a:ext cx="6181200" cy="3565526"/>
           </a:xfrm>
           <a:prstGeom prst="rect">
             <a:avLst/>
@@ -30308,7 +30295,7 @@
             <a:blip r:embed="rId2" cstate="print">
               <a:extLst>
                 <a:ext uri="{28A0092B-C50C-407E-A947-70E740481C1C}">
-                  <a14:useLocalDpi xmlns:a14="http://schemas.microsoft.com/office/drawing/2010/main" xmlns="" val="0"/>
+                  <a14:useLocalDpi xmlns="" xmlns:a14="http://schemas.microsoft.com/office/drawing/2010/main" val="0"/>
                 </a:ext>
               </a:extLst>
             </a:blip>
@@ -30511,7 +30498,7 @@
     </p:spTree>
     <p:extLst>
       <p:ext uri="{BB962C8B-B14F-4D97-AF65-F5344CB8AC3E}">
-        <p14:creationId xmlns:p14="http://schemas.microsoft.com/office/powerpoint/2010/main" xmlns="" val="2619248131"/>
+        <p14:creationId xmlns="" xmlns:p14="http://schemas.microsoft.com/office/powerpoint/2010/main" val="2619248131"/>
       </p:ext>
     </p:extLst>
   </p:cSld>
@@ -30668,26 +30655,7 @@
                 <a:latin typeface="-윤고딕330" pitchFamily="18" charset="-127"/>
                 <a:ea typeface="-윤고딕330" pitchFamily="18" charset="-127"/>
               </a:rPr>
-              <a:t>선수</a:t>
-            </a:r>
-            <a:r>
-              <a:rPr lang="ko-KR" altLang="en-US" sz="3600" dirty="0" smtClean="0">
-                <a:ln>
-                  <a:solidFill>
-                    <a:schemeClr val="bg1">
-                      <a:alpha val="0"/>
-                    </a:schemeClr>
-                  </a:solidFill>
-                </a:ln>
-                <a:solidFill>
-                  <a:schemeClr val="accent6">
-                    <a:lumMod val="50000"/>
-                  </a:schemeClr>
-                </a:solidFill>
-                <a:latin typeface="-윤고딕330" pitchFamily="18" charset="-127"/>
-                <a:ea typeface="-윤고딕330" pitchFamily="18" charset="-127"/>
-              </a:rPr>
-              <a:t>상</a:t>
+              <a:t>선수상</a:t>
             </a:r>
             <a:endParaRPr lang="ko-KR" altLang="en-US" sz="2000" dirty="0">
               <a:ln>
@@ -30722,8 +30690,8 @@
         </p:blipFill>
         <p:spPr>
           <a:xfrm>
-            <a:off x="1706245" y="1831657"/>
-            <a:ext cx="5731510" cy="3194685"/>
+            <a:off x="1481400" y="2020265"/>
+            <a:ext cx="6181200" cy="3194685"/>
           </a:xfrm>
           <a:prstGeom prst="rect">
             <a:avLst/>
@@ -30738,6 +30706,372 @@
   <p:transition spd="slow">
     <p:push dir="u"/>
   </p:transition>
+</p:sld>
+</file>
+
+<file path=ppt/slides/slide41.xml><?xml version="1.0" encoding="utf-8"?>
+<p:sld xmlns:a="http://schemas.openxmlformats.org/drawingml/2006/main" xmlns:r="http://schemas.openxmlformats.org/officeDocument/2006/relationships" xmlns:p="http://schemas.openxmlformats.org/presentationml/2006/main">
+  <p:cSld>
+    <p:spTree>
+      <p:nvGrpSpPr>
+        <p:cNvPr id="1" name=""/>
+        <p:cNvGrpSpPr/>
+        <p:nvPr/>
+      </p:nvGrpSpPr>
+      <p:grpSpPr>
+        <a:xfrm>
+          <a:off x="0" y="0"/>
+          <a:ext cx="0" cy="0"/>
+          <a:chOff x="0" y="0"/>
+          <a:chExt cx="0" cy="0"/>
+        </a:xfrm>
+      </p:grpSpPr>
+      <p:grpSp>
+        <p:nvGrpSpPr>
+          <p:cNvPr id="2" name="그룹 1"/>
+          <p:cNvGrpSpPr/>
+          <p:nvPr/>
+        </p:nvGrpSpPr>
+        <p:grpSpPr>
+          <a:xfrm>
+            <a:off x="-36512" y="-27384"/>
+            <a:ext cx="9217024" cy="6895732"/>
+            <a:chOff x="-36512" y="-27384"/>
+            <a:chExt cx="9217024" cy="6895732"/>
+          </a:xfrm>
+        </p:grpSpPr>
+        <p:cxnSp>
+          <p:nvCxnSpPr>
+            <p:cNvPr id="13" name="직선 연결선 12"/>
+            <p:cNvCxnSpPr/>
+            <p:nvPr/>
+          </p:nvCxnSpPr>
+          <p:spPr>
+            <a:xfrm>
+              <a:off x="-36512" y="4293096"/>
+              <a:ext cx="3744416" cy="0"/>
+            </a:xfrm>
+            <a:prstGeom prst="line">
+              <a:avLst/>
+            </a:prstGeom>
+            <a:ln>
+              <a:solidFill>
+                <a:schemeClr val="bg1">
+                  <a:lumMod val="85000"/>
+                </a:schemeClr>
+              </a:solidFill>
+            </a:ln>
+          </p:spPr>
+          <p:style>
+            <a:lnRef idx="1">
+              <a:schemeClr val="accent1"/>
+            </a:lnRef>
+            <a:fillRef idx="0">
+              <a:schemeClr val="accent1"/>
+            </a:fillRef>
+            <a:effectRef idx="0">
+              <a:schemeClr val="accent1"/>
+            </a:effectRef>
+            <a:fontRef idx="minor">
+              <a:schemeClr val="tx1"/>
+            </a:fontRef>
+          </p:style>
+        </p:cxnSp>
+        <p:pic>
+          <p:nvPicPr>
+            <p:cNvPr id="12" name="그림 11"/>
+            <p:cNvPicPr>
+              <a:picLocks noChangeAspect="1"/>
+            </p:cNvPicPr>
+            <p:nvPr/>
+          </p:nvPicPr>
+          <p:blipFill>
+            <a:blip r:embed="rId2">
+              <a:extLst>
+                <a:ext uri="{28A0092B-C50C-407E-A947-70E740481C1C}">
+                  <a14:useLocalDpi xmlns:a14="http://schemas.microsoft.com/office/drawing/2010/main" xmlns="" val="0"/>
+                </a:ext>
+              </a:extLst>
+            </a:blip>
+            <a:stretch>
+              <a:fillRect/>
+            </a:stretch>
+          </p:blipFill>
+          <p:spPr>
+            <a:xfrm rot="1601709">
+              <a:off x="3768937" y="2142541"/>
+              <a:ext cx="2878027" cy="2878027"/>
+            </a:xfrm>
+            <a:prstGeom prst="rect">
+              <a:avLst/>
+            </a:prstGeom>
+          </p:spPr>
+        </p:pic>
+        <p:sp>
+          <p:nvSpPr>
+            <p:cNvPr id="6" name="TextBox 5"/>
+            <p:cNvSpPr txBox="1"/>
+            <p:nvPr/>
+          </p:nvSpPr>
+          <p:spPr>
+            <a:xfrm>
+              <a:off x="972010" y="3717032"/>
+              <a:ext cx="2642262" cy="584775"/>
+            </a:xfrm>
+            <a:prstGeom prst="rect">
+              <a:avLst/>
+            </a:prstGeom>
+            <a:noFill/>
+          </p:spPr>
+          <p:txBody>
+            <a:bodyPr wrap="none" rtlCol="0">
+              <a:spAutoFit/>
+            </a:bodyPr>
+            <a:lstStyle/>
+            <a:p>
+              <a:r>
+                <a:rPr lang="en-US" altLang="ko-KR" sz="3200" dirty="0" smtClean="0">
+                  <a:ln>
+                    <a:solidFill>
+                      <a:schemeClr val="bg1">
+                        <a:alpha val="0"/>
+                      </a:schemeClr>
+                    </a:solidFill>
+                  </a:ln>
+                  <a:solidFill>
+                    <a:schemeClr val="tx1">
+                      <a:lumMod val="75000"/>
+                      <a:lumOff val="25000"/>
+                    </a:schemeClr>
+                  </a:solidFill>
+                  <a:latin typeface="-윤고딕360" pitchFamily="18" charset="-127"/>
+                  <a:ea typeface="-윤고딕360" pitchFamily="18" charset="-127"/>
+                </a:rPr>
+                <a:t>THANK YOU</a:t>
+              </a:r>
+              <a:endParaRPr lang="ko-KR" altLang="en-US" sz="3200" dirty="0">
+                <a:ln>
+                  <a:solidFill>
+                    <a:schemeClr val="bg1">
+                      <a:alpha val="0"/>
+                    </a:schemeClr>
+                  </a:solidFill>
+                </a:ln>
+                <a:solidFill>
+                  <a:schemeClr val="tx1">
+                    <a:lumMod val="75000"/>
+                    <a:lumOff val="25000"/>
+                  </a:schemeClr>
+                </a:solidFill>
+                <a:latin typeface="-윤고딕360" pitchFamily="18" charset="-127"/>
+                <a:ea typeface="-윤고딕360" pitchFamily="18" charset="-127"/>
+              </a:endParaRPr>
+            </a:p>
+          </p:txBody>
+        </p:sp>
+        <p:cxnSp>
+          <p:nvCxnSpPr>
+            <p:cNvPr id="16" name="직선 연결선 15"/>
+            <p:cNvCxnSpPr/>
+            <p:nvPr/>
+          </p:nvCxnSpPr>
+          <p:spPr>
+            <a:xfrm>
+              <a:off x="6804248" y="2852936"/>
+              <a:ext cx="2339752" cy="0"/>
+            </a:xfrm>
+            <a:prstGeom prst="line">
+              <a:avLst/>
+            </a:prstGeom>
+            <a:ln>
+              <a:solidFill>
+                <a:schemeClr val="bg1">
+                  <a:lumMod val="85000"/>
+                </a:schemeClr>
+              </a:solidFill>
+            </a:ln>
+          </p:spPr>
+          <p:style>
+            <a:lnRef idx="1">
+              <a:schemeClr val="accent1"/>
+            </a:lnRef>
+            <a:fillRef idx="0">
+              <a:schemeClr val="accent1"/>
+            </a:fillRef>
+            <a:effectRef idx="0">
+              <a:schemeClr val="accent1"/>
+            </a:effectRef>
+            <a:fontRef idx="minor">
+              <a:schemeClr val="tx1"/>
+            </a:fontRef>
+          </p:style>
+        </p:cxnSp>
+        <p:sp>
+          <p:nvSpPr>
+            <p:cNvPr id="19" name="직사각형 18"/>
+            <p:cNvSpPr/>
+            <p:nvPr/>
+          </p:nvSpPr>
+          <p:spPr>
+            <a:xfrm>
+              <a:off x="-36512" y="-27384"/>
+              <a:ext cx="9180512" cy="202332"/>
+            </a:xfrm>
+            <a:prstGeom prst="rect">
+              <a:avLst/>
+            </a:prstGeom>
+            <a:solidFill>
+              <a:schemeClr val="tx1">
+                <a:lumMod val="75000"/>
+                <a:lumOff val="25000"/>
+              </a:schemeClr>
+            </a:solidFill>
+            <a:ln>
+              <a:solidFill>
+                <a:schemeClr val="tx1">
+                  <a:lumMod val="75000"/>
+                  <a:lumOff val="25000"/>
+                </a:schemeClr>
+              </a:solidFill>
+            </a:ln>
+          </p:spPr>
+          <p:style>
+            <a:lnRef idx="2">
+              <a:schemeClr val="accent1">
+                <a:shade val="50000"/>
+              </a:schemeClr>
+            </a:lnRef>
+            <a:fillRef idx="1">
+              <a:schemeClr val="accent1"/>
+            </a:fillRef>
+            <a:effectRef idx="0">
+              <a:schemeClr val="accent1"/>
+            </a:effectRef>
+            <a:fontRef idx="minor">
+              <a:schemeClr val="lt1"/>
+            </a:fontRef>
+          </p:style>
+          <p:txBody>
+            <a:bodyPr rtlCol="0" anchor="ctr"/>
+            <a:lstStyle/>
+            <a:p>
+              <a:pPr algn="ctr"/>
+              <a:endParaRPr lang="ko-KR" altLang="en-US" dirty="0"/>
+            </a:p>
+          </p:txBody>
+        </p:sp>
+        <p:sp>
+          <p:nvSpPr>
+            <p:cNvPr id="20" name="직사각형 19"/>
+            <p:cNvSpPr/>
+            <p:nvPr/>
+          </p:nvSpPr>
+          <p:spPr>
+            <a:xfrm>
+              <a:off x="0" y="6525344"/>
+              <a:ext cx="9180512" cy="343004"/>
+            </a:xfrm>
+            <a:prstGeom prst="rect">
+              <a:avLst/>
+            </a:prstGeom>
+            <a:solidFill>
+              <a:schemeClr val="tx1">
+                <a:lumMod val="75000"/>
+                <a:lumOff val="25000"/>
+              </a:schemeClr>
+            </a:solidFill>
+            <a:ln>
+              <a:solidFill>
+                <a:schemeClr val="tx1">
+                  <a:lumMod val="75000"/>
+                  <a:lumOff val="25000"/>
+                </a:schemeClr>
+              </a:solidFill>
+            </a:ln>
+          </p:spPr>
+          <p:style>
+            <a:lnRef idx="2">
+              <a:schemeClr val="accent1">
+                <a:shade val="50000"/>
+              </a:schemeClr>
+            </a:lnRef>
+            <a:fillRef idx="1">
+              <a:schemeClr val="accent1"/>
+            </a:fillRef>
+            <a:effectRef idx="0">
+              <a:schemeClr val="accent1"/>
+            </a:effectRef>
+            <a:fontRef idx="minor">
+              <a:schemeClr val="lt1"/>
+            </a:fontRef>
+          </p:style>
+          <p:txBody>
+            <a:bodyPr rtlCol="0" anchor="ctr"/>
+            <a:lstStyle/>
+            <a:p>
+              <a:pPr algn="ctr"/>
+              <a:endParaRPr lang="ko-KR" altLang="en-US" dirty="0"/>
+            </a:p>
+          </p:txBody>
+        </p:sp>
+        <p:pic>
+          <p:nvPicPr>
+            <p:cNvPr id="21" name="그림 20"/>
+            <p:cNvPicPr>
+              <a:picLocks noChangeAspect="1"/>
+            </p:cNvPicPr>
+            <p:nvPr/>
+          </p:nvPicPr>
+          <p:blipFill>
+            <a:blip r:embed="rId3">
+              <a:duotone>
+                <a:schemeClr val="bg2">
+                  <a:shade val="45000"/>
+                  <a:satMod val="135000"/>
+                </a:schemeClr>
+                <a:prstClr val="white"/>
+              </a:duotone>
+              <a:extLst>
+                <a:ext uri="{28A0092B-C50C-407E-A947-70E740481C1C}">
+                  <a14:useLocalDpi xmlns:a14="http://schemas.microsoft.com/office/drawing/2010/main" xmlns="" val="0"/>
+                </a:ext>
+              </a:extLst>
+            </a:blip>
+            <a:stretch>
+              <a:fillRect/>
+            </a:stretch>
+          </p:blipFill>
+          <p:spPr>
+            <a:xfrm>
+              <a:off x="4211960" y="2902005"/>
+              <a:ext cx="1810809" cy="1810809"/>
+            </a:xfrm>
+            <a:prstGeom prst="rect">
+              <a:avLst/>
+            </a:prstGeom>
+          </p:spPr>
+        </p:pic>
+      </p:grpSp>
+    </p:spTree>
+    <p:extLst>
+      <p:ext uri="{BB962C8B-B14F-4D97-AF65-F5344CB8AC3E}">
+        <p14:creationId xmlns:p14="http://schemas.microsoft.com/office/powerpoint/2010/main" xmlns="" val="1393378065"/>
+      </p:ext>
+    </p:extLst>
+  </p:cSld>
+  <p:clrMapOvr>
+    <a:masterClrMapping/>
+  </p:clrMapOvr>
+  <p:transition spd="slow">
+    <p:push dir="u"/>
+  </p:transition>
+  <p:timing>
+    <p:tnLst>
+      <p:par>
+        <p:cTn id="1" dur="indefinite" restart="never" nodeType="tmRoot"/>
+      </p:par>
+    </p:tnLst>
+  </p:timing>
 </p:sld>
 </file>
 
@@ -31858,7 +32192,7 @@
             <a:blip r:embed="rId2" cstate="print">
               <a:extLst>
                 <a:ext uri="{28A0092B-C50C-407E-A947-70E740481C1C}">
-                  <a14:useLocalDpi xmlns:a14="http://schemas.microsoft.com/office/drawing/2010/main" xmlns="" val="0"/>
+                  <a14:useLocalDpi xmlns="" xmlns:a14="http://schemas.microsoft.com/office/drawing/2010/main" val="0"/>
                 </a:ext>
               </a:extLst>
             </a:blip>
@@ -32061,7 +32395,7 @@
     </p:spTree>
     <p:extLst>
       <p:ext uri="{BB962C8B-B14F-4D97-AF65-F5344CB8AC3E}">
-        <p14:creationId xmlns:p14="http://schemas.microsoft.com/office/powerpoint/2010/main" xmlns="" val="2619248131"/>
+        <p14:creationId xmlns="" xmlns:p14="http://schemas.microsoft.com/office/powerpoint/2010/main" val="2619248131"/>
       </p:ext>
     </p:extLst>
   </p:cSld>
@@ -32124,7 +32458,7 @@
             <a:blip r:embed="rId2" cstate="print">
               <a:extLst>
                 <a:ext uri="{28A0092B-C50C-407E-A947-70E740481C1C}">
-                  <a14:useLocalDpi xmlns:a14="http://schemas.microsoft.com/office/drawing/2010/main" xmlns="" val="0"/>
+                  <a14:useLocalDpi xmlns="" xmlns:a14="http://schemas.microsoft.com/office/drawing/2010/main" val="0"/>
                 </a:ext>
               </a:extLst>
             </a:blip>
@@ -32535,25 +32869,52 @@
                   </a:schemeClr>
                 </a:solidFill>
               </a:rPr>
-              <a:t>  전략 시뮬레이션 </a:t>
-            </a:r>
-            <a:r>
-              <a:rPr lang="en-US" altLang="ko-KR" sz="2000" dirty="0" smtClean="0">
+              <a:t> </a:t>
+            </a:r>
+            <a:r>
+              <a:rPr lang="ko-KR" altLang="en-US" sz="2000" dirty="0" err="1" smtClean="0">
                 <a:solidFill>
                   <a:schemeClr val="accent6">
                     <a:lumMod val="50000"/>
                   </a:schemeClr>
                 </a:solidFill>
               </a:rPr>
+              <a:t>어드벤쳐</a:t>
+            </a:r>
+            <a:r>
+              <a:rPr lang="ko-KR" altLang="en-US" sz="2000" dirty="0" smtClean="0">
+                <a:solidFill>
+                  <a:schemeClr val="accent6">
+                    <a:lumMod val="50000"/>
+                  </a:schemeClr>
+                </a:solidFill>
+              </a:rPr>
+              <a:t> </a:t>
+            </a:r>
+            <a:r>
+              <a:rPr lang="en-US" altLang="ko-KR" sz="2000" dirty="0" smtClean="0">
+                <a:solidFill>
+                  <a:schemeClr val="accent6">
+                    <a:lumMod val="50000"/>
+                  </a:schemeClr>
+                </a:solidFill>
+              </a:rPr>
               <a:t>RPG</a:t>
             </a:r>
+            <a:endParaRPr lang="en-US" altLang="ko-KR" sz="2000" dirty="0" smtClean="0">
+              <a:solidFill>
+                <a:schemeClr val="accent6">
+                  <a:lumMod val="50000"/>
+                </a:schemeClr>
+              </a:solidFill>
+            </a:endParaRPr>
           </a:p>
         </p:txBody>
       </p:sp>
     </p:spTree>
     <p:extLst>
       <p:ext uri="{BB962C8B-B14F-4D97-AF65-F5344CB8AC3E}">
-        <p14:creationId xmlns:p14="http://schemas.microsoft.com/office/powerpoint/2010/main" xmlns="" val="527779912"/>
+        <p14:creationId xmlns="" xmlns:p14="http://schemas.microsoft.com/office/powerpoint/2010/main" val="527779912"/>
       </p:ext>
     </p:extLst>
   </p:cSld>
@@ -32616,7 +32977,7 @@
             <a:blip r:embed="rId2" cstate="print">
               <a:extLst>
                 <a:ext uri="{28A0092B-C50C-407E-A947-70E740481C1C}">
-                  <a14:useLocalDpi xmlns:a14="http://schemas.microsoft.com/office/drawing/2010/main" xmlns="" val="0"/>
+                  <a14:useLocalDpi xmlns="" xmlns:a14="http://schemas.microsoft.com/office/drawing/2010/main" val="0"/>
                 </a:ext>
               </a:extLst>
             </a:blip>
@@ -32965,7 +33326,7 @@
     </p:spTree>
     <p:extLst>
       <p:ext uri="{BB962C8B-B14F-4D97-AF65-F5344CB8AC3E}">
-        <p14:creationId xmlns:p14="http://schemas.microsoft.com/office/powerpoint/2010/main" xmlns="" val="527779912"/>
+        <p14:creationId xmlns="" xmlns:p14="http://schemas.microsoft.com/office/powerpoint/2010/main" val="527779912"/>
       </p:ext>
     </p:extLst>
   </p:cSld>
